--- a/Consultoria para implantação e capacitação do Flyway.pptx
+++ b/Consultoria para implantação e capacitação do Flyway.pptx
@@ -221,7 +221,7 @@
           <a:p>
             <a:fld id="{36C7E98E-9D3C-43DC-9D46-F79317388C42}" type="datetimeFigureOut">
               <a:rPr lang="en-ID" smtClean="0"/>
-              <a:t>30/03/2022</a:t>
+              <a:t>31/03/2022</a:t>
             </a:fld>
             <a:endParaRPr lang="en-ID"/>
           </a:p>
@@ -25152,15 +25152,7 @@
                   <a:schemeClr val="bg1"/>
                 </a:solidFill>
               </a:rPr>
-              <a:t>Aplicaci</a:t>
-            </a:r>
-            <a:r>
-              <a:rPr lang="en-US" sz="1200" dirty="0" err="1" smtClean="0">
-                <a:solidFill>
-                  <a:schemeClr val="bg1"/>
-                </a:solidFill>
-              </a:rPr>
-              <a:t>ón</a:t>
+              <a:t>Aplicación</a:t>
             </a:r>
             <a:r>
               <a:rPr lang="en-US" sz="1200" dirty="0" smtClean="0">
@@ -25396,13 +25388,13 @@
   <p:clrMapOvr>
     <a:masterClrMapping/>
   </p:clrMapOvr>
-  <mc:AlternateContent xmlns:mc="http://schemas.openxmlformats.org/markup-compatibility/2006">
-    <mc:Choice xmlns:p14="http://schemas.microsoft.com/office/powerpoint/2010/main" Requires="p14">
+  <mc:AlternateContent xmlns:mc="http://schemas.openxmlformats.org/markup-compatibility/2006" xmlns:p14="http://schemas.microsoft.com/office/powerpoint/2010/main">
+    <mc:Choice Requires="p14">
       <p:transition spd="slow" p14:dur="800">
         <p:circle/>
       </p:transition>
     </mc:Choice>
-    <mc:Fallback>
+    <mc:Fallback xmlns="">
       <p:transition spd="slow">
         <p:circle/>
       </p:transition>
@@ -30037,30 +30029,6 @@
           </a:p>
         </p:txBody>
       </p:sp>
-      <p:pic>
-        <p:nvPicPr>
-          <p:cNvPr id="11" name="Imagem 10"/>
-          <p:cNvPicPr>
-            <a:picLocks noChangeAspect="1"/>
-          </p:cNvPicPr>
-          <p:nvPr/>
-        </p:nvPicPr>
-        <p:blipFill>
-          <a:blip r:embed="rId3"/>
-          <a:stretch>
-            <a:fillRect/>
-          </a:stretch>
-        </p:blipFill>
-        <p:spPr>
-          <a:xfrm>
-            <a:off x="1338386" y="2643525"/>
-            <a:ext cx="8999414" cy="4102500"/>
-          </a:xfrm>
-          <a:prstGeom prst="rect">
-            <a:avLst/>
-          </a:prstGeom>
-        </p:spPr>
-      </p:pic>
       <p:sp>
         <p:nvSpPr>
           <p:cNvPr id="12" name="TextBox 7">
@@ -30280,6 +30248,30 @@
           </p:txBody>
         </p:sp>
       </p:grpSp>
+      <p:pic>
+        <p:nvPicPr>
+          <p:cNvPr id="2" name="Imagem 1"/>
+          <p:cNvPicPr>
+            <a:picLocks noChangeAspect="1"/>
+          </p:cNvPicPr>
+          <p:nvPr/>
+        </p:nvPicPr>
+        <p:blipFill>
+          <a:blip r:embed="rId3"/>
+          <a:stretch>
+            <a:fillRect/>
+          </a:stretch>
+        </p:blipFill>
+        <p:spPr>
+          <a:xfrm>
+            <a:off x="1086010" y="2644737"/>
+            <a:ext cx="9518490" cy="4053430"/>
+          </a:xfrm>
+          <a:prstGeom prst="rect">
+            <a:avLst/>
+          </a:prstGeom>
+        </p:spPr>
+      </p:pic>
     </p:spTree>
     <p:extLst>
       <p:ext uri="{BB962C8B-B14F-4D97-AF65-F5344CB8AC3E}">
@@ -30436,88 +30428,6 @@
                                         </p:tgtEl>
                                       </p:cBhvr>
                                     </p:animEffect>
-                                  </p:childTnLst>
-                                </p:cTn>
-                              </p:par>
-                            </p:childTnLst>
-                          </p:cTn>
-                        </p:par>
-                        <p:par>
-                          <p:cTn id="15" fill="hold">
-                            <p:stCondLst>
-                              <p:cond delay="1000"/>
-                            </p:stCondLst>
-                            <p:childTnLst>
-                              <p:par>
-                                <p:cTn id="16" presetID="2" presetClass="entr" presetSubtype="4" fill="hold" nodeType="afterEffect">
-                                  <p:stCondLst>
-                                    <p:cond delay="0"/>
-                                  </p:stCondLst>
-                                  <p:childTnLst>
-                                    <p:set>
-                                      <p:cBhvr>
-                                        <p:cTn id="17" dur="1" fill="hold">
-                                          <p:stCondLst>
-                                            <p:cond delay="0"/>
-                                          </p:stCondLst>
-                                        </p:cTn>
-                                        <p:tgtEl>
-                                          <p:spTgt spid="11"/>
-                                        </p:tgtEl>
-                                        <p:attrNameLst>
-                                          <p:attrName>style.visibility</p:attrName>
-                                        </p:attrNameLst>
-                                      </p:cBhvr>
-                                      <p:to>
-                                        <p:strVal val="visible"/>
-                                      </p:to>
-                                    </p:set>
-                                    <p:anim calcmode="lin" valueType="num">
-                                      <p:cBhvr additive="base">
-                                        <p:cTn id="18" dur="500" fill="hold"/>
-                                        <p:tgtEl>
-                                          <p:spTgt spid="11"/>
-                                        </p:tgtEl>
-                                        <p:attrNameLst>
-                                          <p:attrName>ppt_x</p:attrName>
-                                        </p:attrNameLst>
-                                      </p:cBhvr>
-                                      <p:tavLst>
-                                        <p:tav tm="0">
-                                          <p:val>
-                                            <p:strVal val="#ppt_x"/>
-                                          </p:val>
-                                        </p:tav>
-                                        <p:tav tm="100000">
-                                          <p:val>
-                                            <p:strVal val="#ppt_x"/>
-                                          </p:val>
-                                        </p:tav>
-                                      </p:tavLst>
-                                    </p:anim>
-                                    <p:anim calcmode="lin" valueType="num">
-                                      <p:cBhvr additive="base">
-                                        <p:cTn id="19" dur="500" fill="hold"/>
-                                        <p:tgtEl>
-                                          <p:spTgt spid="11"/>
-                                        </p:tgtEl>
-                                        <p:attrNameLst>
-                                          <p:attrName>ppt_y</p:attrName>
-                                        </p:attrNameLst>
-                                      </p:cBhvr>
-                                      <p:tavLst>
-                                        <p:tav tm="0">
-                                          <p:val>
-                                            <p:strVal val="1+#ppt_h/2"/>
-                                          </p:val>
-                                        </p:tav>
-                                        <p:tav tm="100000">
-                                          <p:val>
-                                            <p:strVal val="#ppt_y"/>
-                                          </p:val>
-                                        </p:tav>
-                                      </p:tavLst>
-                                    </p:anim>
                                   </p:childTnLst>
                                 </p:cTn>
                               </p:par>
